--- a/slides/notifier-service/Notifier Service.pptx
+++ b/slides/notifier-service/Notifier Service.pptx
@@ -6674,16 +6674,16 @@
       </p:par>
     </p:tnLst>
     <p:bldLst>
+      <p:bldP build="whole" bldLvl="1" animBg="1" rev="0" advAuto="0" spid="187" grpId="10"/>
       <p:bldP build="whole" bldLvl="1" animBg="1" rev="0" advAuto="0" spid="202" grpId="2"/>
+      <p:bldP build="whole" bldLvl="1" animBg="1" rev="0" advAuto="0" spid="201" grpId="1"/>
+      <p:bldP build="whole" bldLvl="1" animBg="1" rev="0" advAuto="0" spid="192" grpId="5"/>
+      <p:bldP build="whole" bldLvl="1" animBg="1" rev="0" advAuto="0" spid="194" grpId="7"/>
+      <p:bldP build="whole" bldLvl="1" animBg="1" rev="0" advAuto="0" spid="188" grpId="8"/>
+      <p:bldP build="whole" bldLvl="1" animBg="1" rev="0" advAuto="0" spid="190" grpId="9"/>
+      <p:bldP build="whole" bldLvl="1" animBg="1" rev="0" advAuto="0" spid="204" grpId="3"/>
       <p:bldP build="whole" bldLvl="1" animBg="1" rev="0" advAuto="0" spid="186" grpId="4"/>
-      <p:bldP build="whole" bldLvl="1" animBg="1" rev="0" advAuto="0" spid="188" grpId="8"/>
-      <p:bldP build="whole" bldLvl="1" animBg="1" rev="0" advAuto="0" spid="201" grpId="1"/>
-      <p:bldP build="whole" bldLvl="1" animBg="1" rev="0" advAuto="0" spid="204" grpId="3"/>
-      <p:bldP build="whole" bldLvl="1" animBg="1" rev="0" advAuto="0" spid="192" grpId="5"/>
       <p:bldP build="whole" bldLvl="1" animBg="1" rev="0" advAuto="0" spid="189" grpId="6"/>
-      <p:bldP build="whole" bldLvl="1" animBg="1" rev="0" advAuto="0" spid="194" grpId="7"/>
-      <p:bldP build="whole" bldLvl="1" animBg="1" rev="0" advAuto="0" spid="187" grpId="10"/>
-      <p:bldP build="whole" bldLvl="1" animBg="1" rev="0" advAuto="0" spid="190" grpId="9"/>
     </p:bldLst>
   </p:timing>
 </p:sld>
@@ -8047,16 +8047,16 @@
       </p:par>
     </p:tnLst>
     <p:bldLst>
-      <p:bldP build="whole" bldLvl="1" animBg="1" rev="0" advAuto="0" spid="209" grpId="6"/>
+      <p:bldP build="whole" bldLvl="1" animBg="1" rev="0" advAuto="0" spid="210" grpId="2"/>
+      <p:bldP build="whole" bldLvl="1" animBg="1" rev="0" advAuto="0" spid="214" grpId="8"/>
+      <p:bldP build="whole" bldLvl="1" animBg="1" rev="0" advAuto="0" spid="217" grpId="9"/>
+      <p:bldP build="whole" bldLvl="1" animBg="1" rev="0" advAuto="0" spid="215" grpId="7"/>
+      <p:bldP build="whole" bldLvl="1" animBg="1" rev="0" advAuto="0" spid="211" grpId="3"/>
       <p:bldP build="whole" bldLvl="1" animBg="1" rev="0" advAuto="0" spid="208" grpId="1"/>
       <p:bldP build="whole" bldLvl="1" animBg="1" rev="0" advAuto="0" spid="212" grpId="4"/>
-      <p:bldP build="whole" bldLvl="1" animBg="1" rev="0" advAuto="0" spid="215" grpId="7"/>
-      <p:bldP build="whole" bldLvl="1" animBg="1" rev="0" advAuto="0" spid="214" grpId="8"/>
-      <p:bldP build="whole" bldLvl="1" animBg="1" rev="0" advAuto="0" spid="210" grpId="2"/>
+      <p:bldP build="whole" bldLvl="1" animBg="1" rev="0" advAuto="0" spid="216" grpId="10"/>
       <p:bldP build="whole" bldLvl="1" animBg="1" rev="0" advAuto="0" spid="213" grpId="5"/>
-      <p:bldP build="whole" bldLvl="1" animBg="1" rev="0" advAuto="0" spid="217" grpId="9"/>
-      <p:bldP build="whole" bldLvl="1" animBg="1" rev="0" advAuto="0" spid="211" grpId="3"/>
-      <p:bldP build="whole" bldLvl="1" animBg="1" rev="0" advAuto="0" spid="216" grpId="10"/>
+      <p:bldP build="whole" bldLvl="1" animBg="1" rev="0" advAuto="0" spid="209" grpId="6"/>
     </p:bldLst>
   </p:timing>
 </p:sld>
@@ -8802,10 +8802,10 @@
       </p:par>
     </p:tnLst>
     <p:bldLst>
-      <p:bldP build="whole" bldLvl="1" animBg="1" rev="0" advAuto="0" spid="227" grpId="4"/>
-      <p:bldP build="whole" bldLvl="1" animBg="1" rev="0" advAuto="0" spid="223" grpId="2"/>
       <p:bldP build="whole" bldLvl="1" animBg="1" rev="0" advAuto="0" spid="228" grpId="3"/>
       <p:bldP build="whole" bldLvl="1" animBg="1" rev="0" advAuto="0" spid="224" grpId="1"/>
+      <p:bldP build="whole" bldLvl="1" animBg="1" rev="0" advAuto="0" spid="223" grpId="2"/>
+      <p:bldP build="whole" bldLvl="1" animBg="1" rev="0" advAuto="0" spid="227" grpId="4"/>
     </p:bldLst>
   </p:timing>
 </p:sld>
@@ -8951,8 +8951,8 @@
           </p:nvSpPr>
           <p:spPr>
             <a:xfrm>
-              <a:off x="0" y="0"/>
-              <a:ext cx="3096260" cy="1006475"/>
+              <a:off x="0" y="-1"/>
+              <a:ext cx="3096260" cy="1006476"/>
             </a:xfrm>
             <a:prstGeom prst="rect">
               <a:avLst/>
@@ -9047,8 +9047,8 @@
           </p:nvSpPr>
           <p:spPr>
             <a:xfrm>
-              <a:off x="0" y="0"/>
-              <a:ext cx="3546475" cy="1006475"/>
+              <a:off x="0" y="-1"/>
+              <a:ext cx="3546475" cy="1006476"/>
             </a:xfrm>
             <a:prstGeom prst="rect">
               <a:avLst/>
@@ -9495,6 +9495,9 @@
                     <p:cTn id="3" fill="hold">
                       <p:stCondLst>
                         <p:cond delay="indefinite"/>
+                        <p:cond evt="onBegin">
+                          <p:tn val="2"/>
+                        </p:cond>
                       </p:stCondLst>
                       <p:childTnLst>
                         <p:par>
@@ -9504,7 +9507,7 @@
                             </p:stCondLst>
                             <p:childTnLst>
                               <p:par>
-                                <p:cTn id="5" presetClass="entr" nodeType="clickEffect" presetSubtype="8" presetID="2" grpId="1" fill="hold">
+                                <p:cTn id="5" presetClass="entr" nodeType="afterEffect" presetSubtype="8" presetID="2" grpId="1" fill="hold">
                                   <p:stCondLst>
                                     <p:cond delay="0"/>
                                   </p:stCondLst>
@@ -9945,6 +9948,41 @@
                             </p:childTnLst>
                           </p:cTn>
                         </p:par>
+                        <p:par>
+                          <p:cTn id="33" fill="hold">
+                            <p:stCondLst>
+                              <p:cond delay="0"/>
+                            </p:stCondLst>
+                            <p:childTnLst>
+                              <p:par>
+                                <p:cTn id="34" presetClass="emph" nodeType="afterEffect" presetSubtype="0" presetID="26" grpId="7" fill="hold">
+                                  <p:stCondLst>
+                                    <p:cond delay="0"/>
+                                  </p:stCondLst>
+                                  <p:childTnLst>
+                                    <p:animEffect filter="fade" transition="out">
+                                      <p:cBhvr>
+                                        <p:cTn id="35" dur="1000" fill="hold" tmFilter="0, 0; .2, .5; .8, .5; 1, 0"/>
+                                        <p:tgtEl>
+                                          <p:spTgt spid="249"/>
+                                        </p:tgtEl>
+                                      </p:cBhvr>
+                                    </p:animEffect>
+                                    <p:animScale>
+                                      <p:cBhvr>
+                                        <p:cTn id="36" dur="500" fill="hold" autoRev="1"/>
+                                        <p:tgtEl>
+                                          <p:spTgt spid="249"/>
+                                        </p:tgtEl>
+                                      </p:cBhvr>
+                                      <p:by x="105000" y="105000"/>
+                                    </p:animScale>
+                                  </p:childTnLst>
+                                </p:cTn>
+                              </p:par>
+                            </p:childTnLst>
+                          </p:cTn>
+                        </p:par>
                       </p:childTnLst>
                     </p:cTn>
                   </p:par>
@@ -9970,12 +10008,13 @@
       </p:par>
     </p:tnLst>
     <p:bldLst>
+      <p:bldP build="whole" bldLvl="1" animBg="1" rev="0" advAuto="0" spid="232" grpId="3"/>
+      <p:bldP build="whole" bldLvl="1" animBg="1" rev="0" advAuto="0" spid="249" grpId="7"/>
+      <p:bldP build="whole" bldLvl="1" animBg="1" rev="0" advAuto="0" spid="246" grpId="6"/>
+      <p:bldP build="whole" bldLvl="1" animBg="1" rev="0" advAuto="0" spid="236" grpId="1"/>
+      <p:bldP build="whole" bldLvl="1" animBg="1" rev="0" advAuto="0" spid="243" grpId="2"/>
       <p:bldP build="whole" bldLvl="1" animBg="1" rev="0" advAuto="0" spid="240" grpId="5"/>
       <p:bldP build="whole" bldLvl="1" animBg="1" rev="0" advAuto="0" spid="249" grpId="4"/>
-      <p:bldP build="whole" bldLvl="1" animBg="1" rev="0" advAuto="0" spid="232" grpId="3"/>
-      <p:bldP build="whole" bldLvl="1" animBg="1" rev="0" advAuto="0" spid="236" grpId="1"/>
-      <p:bldP build="whole" bldLvl="1" animBg="1" rev="0" advAuto="0" spid="243" grpId="2"/>
-      <p:bldP build="whole" bldLvl="1" animBg="1" rev="0" advAuto="0" spid="246" grpId="6"/>
     </p:bldLst>
   </p:timing>
 </p:sld>
@@ -10079,7 +10118,7 @@
         <p:spPr>
           <a:xfrm>
             <a:off x="1270000" y="4970462"/>
-            <a:ext cx="17666272" cy="5629276"/>
+            <a:ext cx="17497997" cy="5629276"/>
           </a:xfrm>
           <a:prstGeom prst="rect">
             <a:avLst/>
@@ -10489,6 +10528,96 @@
           </a:p>
         </p:txBody>
       </p:sp>
+      <p:sp>
+        <p:nvSpPr>
+          <p:cNvPr id="254" name="Rectangle"/>
+          <p:cNvSpPr/>
+          <p:nvPr/>
+        </p:nvSpPr>
+        <p:spPr>
+          <a:xfrm>
+            <a:off x="1924549" y="6852343"/>
+            <a:ext cx="9778280" cy="942906"/>
+          </a:xfrm>
+          <a:prstGeom prst="rect">
+            <a:avLst/>
+          </a:prstGeom>
+          <a:ln w="127000">
+            <a:solidFill>
+              <a:srgbClr val="FFFFFF"/>
+            </a:solidFill>
+            <a:miter lim="400000"/>
+          </a:ln>
+        </p:spPr>
+        <p:txBody>
+          <a:bodyPr lIns="71437" tIns="71437" rIns="71437" bIns="71437" anchor="ctr"/>
+          <a:lstStyle/>
+          <a:p>
+            <a:pPr algn="ctr">
+              <a:lnSpc>
+                <a:spcPct val="80000"/>
+              </a:lnSpc>
+              <a:spcBef>
+                <a:spcPts val="0"/>
+              </a:spcBef>
+              <a:defRPr cap="all" sz="4200">
+                <a:solidFill>
+                  <a:srgbClr val="FFFFFF"/>
+                </a:solidFill>
+                <a:latin typeface="+mn-lt"/>
+                <a:ea typeface="+mn-ea"/>
+                <a:cs typeface="+mn-cs"/>
+                <a:sym typeface="DIN Condensed"/>
+              </a:defRPr>
+            </a:pPr>
+          </a:p>
+        </p:txBody>
+      </p:sp>
+      <p:sp>
+        <p:nvSpPr>
+          <p:cNvPr id="255" name="Rectangle"/>
+          <p:cNvSpPr/>
+          <p:nvPr/>
+        </p:nvSpPr>
+        <p:spPr>
+          <a:xfrm>
+            <a:off x="1924549" y="8662508"/>
+            <a:ext cx="11850737" cy="942907"/>
+          </a:xfrm>
+          <a:prstGeom prst="rect">
+            <a:avLst/>
+          </a:prstGeom>
+          <a:ln w="127000">
+            <a:solidFill>
+              <a:srgbClr val="FFFFFF"/>
+            </a:solidFill>
+            <a:miter lim="400000"/>
+          </a:ln>
+        </p:spPr>
+        <p:txBody>
+          <a:bodyPr lIns="71437" tIns="71437" rIns="71437" bIns="71437" anchor="ctr"/>
+          <a:lstStyle/>
+          <a:p>
+            <a:pPr algn="ctr">
+              <a:lnSpc>
+                <a:spcPct val="80000"/>
+              </a:lnSpc>
+              <a:spcBef>
+                <a:spcPts val="0"/>
+              </a:spcBef>
+              <a:defRPr cap="all" sz="4200">
+                <a:solidFill>
+                  <a:srgbClr val="FFFFFF"/>
+                </a:solidFill>
+                <a:latin typeface="+mn-lt"/>
+                <a:ea typeface="+mn-ea"/>
+                <a:cs typeface="+mn-cs"/>
+                <a:sym typeface="DIN Condensed"/>
+              </a:defRPr>
+            </a:pPr>
+          </a:p>
+        </p:txBody>
+      </p:sp>
     </p:spTree>
   </p:cSld>
   <p:clrMapOvr>
@@ -10604,6 +10733,92 @@
                             </p:childTnLst>
                           </p:cTn>
                         </p:par>
+                        <p:par>
+                          <p:cTn id="9" fill="hold">
+                            <p:stCondLst>
+                              <p:cond delay="800"/>
+                            </p:stCondLst>
+                            <p:childTnLst>
+                              <p:par>
+                                <p:cTn id="10" presetClass="entr" nodeType="afterEffect" presetID="9" grpId="2" fill="hold">
+                                  <p:stCondLst>
+                                    <p:cond delay="0"/>
+                                  </p:stCondLst>
+                                  <p:iterate type="el" backwards="0">
+                                    <p:tmAbs val="0"/>
+                                  </p:iterate>
+                                  <p:childTnLst>
+                                    <p:set>
+                                      <p:cBhvr>
+                                        <p:cTn id="11" fill="hold"/>
+                                        <p:tgtEl>
+                                          <p:spTgt spid="254"/>
+                                        </p:tgtEl>
+                                        <p:attrNameLst>
+                                          <p:attrName>style.visibility</p:attrName>
+                                        </p:attrNameLst>
+                                      </p:cBhvr>
+                                      <p:to>
+                                        <p:strVal val="visible"/>
+                                      </p:to>
+                                    </p:set>
+                                    <p:animEffect filter="dissolve" transition="in">
+                                      <p:cBhvr>
+                                        <p:cTn id="12" dur="600"/>
+                                        <p:tgtEl>
+                                          <p:spTgt spid="254"/>
+                                        </p:tgtEl>
+                                      </p:cBhvr>
+                                    </p:animEffect>
+                                  </p:childTnLst>
+                                </p:cTn>
+                              </p:par>
+                            </p:childTnLst>
+                          </p:cTn>
+                        </p:par>
+                        <p:par>
+                          <p:cTn id="13" fill="hold">
+                            <p:stCondLst>
+                              <p:cond delay="1400"/>
+                            </p:stCondLst>
+                            <p:childTnLst>
+                              <p:par>
+                                <p:cTn id="14" presetClass="entr" nodeType="afterEffect" presetID="9" grpId="3" fill="hold">
+                                  <p:stCondLst>
+                                    <p:cond delay="0"/>
+                                  </p:stCondLst>
+                                  <p:iterate type="el" backwards="0">
+                                    <p:tmAbs val="0"/>
+                                  </p:iterate>
+                                  <p:childTnLst>
+                                    <p:set>
+                                      <p:cBhvr>
+                                        <p:cTn id="15" fill="hold"/>
+                                        <p:tgtEl>
+                                          <p:spTgt spid="255"/>
+                                        </p:tgtEl>
+                                        <p:attrNameLst>
+                                          <p:attrName>style.visibility</p:attrName>
+                                        </p:attrNameLst>
+                                      </p:cBhvr>
+                                      <p:to>
+                                        <p:strVal val="visible"/>
+                                      </p:to>
+                                    </p:set>
+                                    <p:animEffect filter="dissolve" transition="in">
+                                      <p:cBhvr>
+                                        <p:cTn id="16" dur="600"/>
+                                        <p:tgtEl>
+                                          <p:spTgt spid="255"/>
+                                        </p:tgtEl>
+                                      </p:cBhvr>
+                                    </p:animEffect>
+                                  </p:childTnLst>
+                                </p:cTn>
+                              </p:par>
+                            </p:childTnLst>
+                          </p:cTn>
+                        </p:par>
                       </p:childTnLst>
                     </p:cTn>
                   </p:par>
@@ -10629,6 +10844,8 @@
       </p:par>
     </p:tnLst>
     <p:bldLst>
+      <p:bldP build="whole" bldLvl="1" animBg="1" rev="0" advAuto="0" spid="254" grpId="2"/>
+      <p:bldP build="whole" bldLvl="1" animBg="1" rev="0" advAuto="0" spid="255" grpId="3"/>
       <p:bldP build="whole" bldLvl="1" animBg="1" rev="0" advAuto="0" spid="253" grpId="1"/>
     </p:bldLst>
   </p:timing>
